--- a/Slurm 2.pptx
+++ b/Slurm 2.pptx
@@ -4074,7 +4074,7 @@
           <a:p>
             <a:r>
               <a:rPr lang="it-IT" dirty="0"/>
-              <a:t>Asmita, Rocco &amp; Samuele</a:t>
+              <a:t>Asmita, Rocco, Samuele</a:t>
             </a:r>
             <a:endParaRPr lang="el-GR" dirty="0"/>
           </a:p>
@@ -4322,7 +4322,10 @@
             </a:r>
           </a:p>
           <a:p>
-            <a:pPr lvl="1"/>
+            <a:pPr marL="914400" lvl="1" indent="-457200">
+              <a:buFont typeface="+mj-lt"/>
+              <a:buAutoNum type="arabicPeriod"/>
+            </a:pPr>
             <a:r>
               <a:rPr lang="it-IT" dirty="0"/>
               <a:t>Simulate with 1 scalar </a:t>
@@ -4333,7 +4336,7 @@
             </a:r>
             <a:r>
               <a:rPr lang="it-IT" dirty="0"/>
-              <a:t>, use CPU </a:t>
+              <a:t> (angle), use CPU </a:t>
             </a:r>
             <a:r>
               <a:rPr lang="it-IT" dirty="0" err="1"/>
@@ -4342,7 +4345,10 @@
             <a:endParaRPr lang="it-IT" dirty="0"/>
           </a:p>
           <a:p>
-            <a:pPr lvl="1"/>
+            <a:pPr marL="914400" lvl="1" indent="-457200">
+              <a:buFont typeface="+mj-lt"/>
+              <a:buAutoNum type="arabicPeriod"/>
+            </a:pPr>
             <a:r>
               <a:rPr lang="it-IT" dirty="0"/>
               <a:t>Simulate with 2d </a:t>
@@ -4384,15 +4390,31 @@
             </a:r>
             <a:r>
               <a:rPr lang="it-IT" dirty="0"/>
-              <a:t> option 1 (come up with a ‘</a:t>
+              <a:t> idea#1 </a:t>
             </a:r>
             <a:r>
               <a:rPr lang="it-IT" dirty="0" err="1"/>
-              <a:t>why</a:t>
+              <a:t>as</a:t>
             </a:r>
             <a:r>
               <a:rPr lang="it-IT" dirty="0"/>
-              <a:t>’)</a:t>
+              <a:t> </a:t>
+            </a:r>
+            <a:r>
+              <a:rPr lang="it-IT" dirty="0" err="1"/>
+              <a:t>our</a:t>
+            </a:r>
+            <a:r>
+              <a:rPr lang="it-IT" dirty="0"/>
+              <a:t> </a:t>
+            </a:r>
+            <a:r>
+              <a:rPr lang="it-IT" dirty="0" err="1"/>
+              <a:t>main</a:t>
+            </a:r>
+            <a:r>
+              <a:rPr lang="it-IT" dirty="0"/>
+              <a:t> strategy</a:t>
             </a:r>
           </a:p>
           <a:p>
@@ -4472,7 +4494,7 @@
             <a:pPr lvl="1"/>
             <a:r>
               <a:rPr lang="it-IT" dirty="0" err="1"/>
-              <a:t>Parallelize</a:t>
+              <a:t>Vectorize</a:t>
             </a:r>
             <a:r>
               <a:rPr lang="it-IT" dirty="0"/>
@@ -4491,7 +4513,7 @@
             <a:pPr lvl="1"/>
             <a:r>
               <a:rPr lang="it-IT" dirty="0" err="1"/>
-              <a:t>Parallelize</a:t>
+              <a:t>Run</a:t>
             </a:r>
             <a:r>
               <a:rPr lang="it-IT" dirty="0"/>
@@ -4503,11 +4525,19 @@
             </a:r>
             <a:r>
               <a:rPr lang="it-IT" dirty="0"/>
-              <a:t> </a:t>
+              <a:t> MC </a:t>
             </a:r>
             <a:r>
               <a:rPr lang="it-IT" dirty="0" err="1"/>
               <a:t>simulations</a:t>
+            </a:r>
+            <a:r>
+              <a:rPr lang="it-IT" dirty="0"/>
+              <a:t> in </a:t>
+            </a:r>
+            <a:r>
+              <a:rPr lang="it-IT" dirty="0" err="1"/>
+              <a:t>parallel</a:t>
             </a:r>
             <a:r>
               <a:rPr lang="it-IT" dirty="0"/>
@@ -4519,28 +4549,23 @@
               <a:buNone/>
             </a:pPr>
             <a:r>
+              <a:rPr lang="it-IT" dirty="0"/>
+              <a:t>Architecture:</a:t>
+            </a:r>
+          </a:p>
+          <a:p>
+            <a:pPr lvl="1"/>
+            <a:r>
               <a:rPr lang="it-IT" dirty="0" err="1"/>
-              <a:t>Architectures</a:t>
-            </a:r>
-            <a:endParaRPr lang="it-IT" dirty="0"/>
-          </a:p>
-          <a:p>
-            <a:pPr lvl="1"/>
+              <a:t>Run</a:t>
+            </a:r>
             <a:r>
               <a:rPr lang="it-IT" dirty="0"/>
-              <a:t>On </a:t>
+              <a:t> idea#1 on DARDEL/</a:t>
             </a:r>
             <a:r>
               <a:rPr lang="it-IT" dirty="0" err="1"/>
-              <a:t>DARDEL’s</a:t>
-            </a:r>
-            <a:r>
-              <a:rPr lang="it-IT" dirty="0"/>
-              <a:t> CPU </a:t>
-            </a:r>
-            <a:r>
-              <a:rPr lang="it-IT" dirty="0" err="1"/>
-              <a:t>when</a:t>
+              <a:t>TCBLab</a:t>
             </a:r>
             <a:r>
               <a:rPr lang="it-IT" dirty="0"/>
@@ -4548,38 +4573,30 @@
             </a:r>
             <a:r>
               <a:rPr lang="it-IT" dirty="0" err="1"/>
-              <a:t>we</a:t>
-            </a:r>
-            <a:r>
-              <a:rPr lang="it-IT" dirty="0"/>
-              <a:t> test Strat.1</a:t>
-            </a:r>
-          </a:p>
-          <a:p>
-            <a:pPr lvl="1"/>
-            <a:r>
-              <a:rPr lang="it-IT" dirty="0" err="1"/>
-              <a:t>We</a:t>
+              <a:t>CPUs</a:t>
             </a:r>
             <a:r>
               <a:rPr lang="it-IT" dirty="0"/>
               <a:t> </a:t>
             </a:r>
+          </a:p>
+          <a:p>
+            <a:pPr lvl="1"/>
             <a:r>
               <a:rPr lang="it-IT" dirty="0" err="1"/>
-              <a:t>could</a:t>
+              <a:t>If</a:t>
             </a:r>
             <a:r>
               <a:rPr lang="it-IT" dirty="0"/>
-              <a:t> in the future </a:t>
+              <a:t> time </a:t>
             </a:r>
             <a:r>
               <a:rPr lang="it-IT" dirty="0" err="1"/>
-              <a:t>try</a:t>
+              <a:t>permits</a:t>
             </a:r>
             <a:r>
               <a:rPr lang="it-IT" dirty="0"/>
-              <a:t> Strat.2 and </a:t>
+              <a:t>, </a:t>
             </a:r>
             <a:r>
               <a:rPr lang="it-IT" dirty="0" err="1"/>
@@ -4587,16 +4604,21 @@
             </a:r>
             <a:r>
               <a:rPr lang="it-IT" dirty="0"/>
-              <a:t> on </a:t>
+              <a:t> idea#2 on DARDEL/</a:t>
             </a:r>
             <a:r>
               <a:rPr lang="it-IT" dirty="0" err="1"/>
-              <a:t>DARDEL’s</a:t>
+              <a:t>TCBLab</a:t>
             </a:r>
             <a:r>
               <a:rPr lang="it-IT" dirty="0"/>
-              <a:t> GPU</a:t>
-            </a:r>
+              <a:t> </a:t>
+            </a:r>
+            <a:r>
+              <a:rPr lang="it-IT" dirty="0" err="1"/>
+              <a:t>GPUs</a:t>
+            </a:r>
+            <a:endParaRPr lang="it-IT" dirty="0"/>
           </a:p>
         </p:txBody>
       </p:sp>
@@ -4653,301 +4675,365 @@
           <a:p>
             <a:r>
               <a:rPr lang="it-IT" dirty="0"/>
-              <a:t>Test strategies</a:t>
+              <a:t>Testing strategy</a:t>
             </a:r>
             <a:endParaRPr lang="el-GR" dirty="0"/>
           </a:p>
         </p:txBody>
       </p:sp>
-      <p:sp>
-        <p:nvSpPr>
-          <p:cNvPr id="3" name="Content Placeholder 2">
-            <a:extLst>
-              <a:ext uri="{FF2B5EF4-FFF2-40B4-BE49-F238E27FC236}">
-                <a16:creationId xmlns:a16="http://schemas.microsoft.com/office/drawing/2014/main" id="{E7C80F34-22CE-475D-8B4D-11D39F69F364}"/>
-              </a:ext>
-            </a:extLst>
-          </p:cNvPr>
-          <p:cNvSpPr>
-            <a:spLocks noGrp="1"/>
-          </p:cNvSpPr>
-          <p:nvPr>
-            <p:ph idx="1"/>
-          </p:nvPr>
-        </p:nvSpPr>
-        <p:spPr/>
-        <p:txBody>
-          <a:bodyPr>
-            <a:normAutofit/>
-          </a:bodyPr>
-          <a:lstStyle/>
-          <a:p>
-            <a:pPr marL="0" indent="0">
-              <a:buNone/>
-            </a:pPr>
-            <a:r>
-              <a:rPr lang="it-IT" dirty="0"/>
-              <a:t>Test</a:t>
-            </a:r>
-          </a:p>
-          <a:p>
-            <a:pPr lvl="1"/>
-            <a:r>
-              <a:rPr lang="it-IT" dirty="0" err="1"/>
-              <a:t>Physics</a:t>
-            </a:r>
-            <a:r>
-              <a:rPr lang="it-IT" dirty="0"/>
-              <a:t> </a:t>
-            </a:r>
-            <a:r>
-              <a:rPr lang="it-IT" dirty="0" err="1"/>
-              <a:t>based</a:t>
-            </a:r>
-            <a:r>
-              <a:rPr lang="it-IT" dirty="0"/>
-              <a:t> benchmarking</a:t>
-            </a:r>
-          </a:p>
-          <a:p>
-            <a:pPr lvl="2"/>
-            <a:r>
-              <a:rPr lang="it-IT" dirty="0"/>
-              <a:t>Extreme </a:t>
-            </a:r>
-            <a:r>
-              <a:rPr lang="it-IT" dirty="0" err="1"/>
-              <a:t>values</a:t>
-            </a:r>
-            <a:r>
-              <a:rPr lang="it-IT" dirty="0"/>
-              <a:t> for T (zero/</a:t>
-            </a:r>
-            <a:r>
-              <a:rPr lang="it-IT" dirty="0" err="1"/>
-              <a:t>inf.ty</a:t>
-            </a:r>
-            <a:r>
-              <a:rPr lang="it-IT" dirty="0"/>
-              <a:t>) -&gt; </a:t>
-            </a:r>
-            <a:r>
-              <a:rPr lang="it-IT" dirty="0" err="1"/>
-              <a:t>we</a:t>
-            </a:r>
-            <a:r>
-              <a:rPr lang="it-IT" dirty="0"/>
-              <a:t> know </a:t>
-            </a:r>
-            <a:r>
-              <a:rPr lang="it-IT" dirty="0" err="1"/>
-              <a:t>what</a:t>
-            </a:r>
-            <a:r>
-              <a:rPr lang="it-IT" dirty="0"/>
-              <a:t> the </a:t>
-            </a:r>
-            <a:r>
-              <a:rPr lang="it-IT" dirty="0" err="1"/>
-              <a:t>configurations</a:t>
-            </a:r>
-            <a:r>
-              <a:rPr lang="it-IT" dirty="0"/>
-              <a:t> look like and the </a:t>
-            </a:r>
-            <a:r>
-              <a:rPr lang="it-IT" dirty="0" err="1"/>
-              <a:t>values</a:t>
-            </a:r>
-            <a:r>
-              <a:rPr lang="it-IT" dirty="0"/>
-              <a:t> of the </a:t>
-            </a:r>
-            <a:r>
-              <a:rPr lang="it-IT" dirty="0" err="1"/>
-              <a:t>thermodynamic</a:t>
-            </a:r>
-            <a:r>
-              <a:rPr lang="it-IT" dirty="0"/>
-              <a:t> </a:t>
-            </a:r>
-            <a:r>
-              <a:rPr lang="it-IT" dirty="0" err="1"/>
-              <a:t>averages</a:t>
-            </a:r>
-            <a:r>
-              <a:rPr lang="it-IT" dirty="0"/>
-              <a:t> (|M|=1/0)</a:t>
-            </a:r>
-          </a:p>
-          <a:p>
-            <a:pPr lvl="2"/>
-            <a:r>
-              <a:rPr lang="it-IT" dirty="0" err="1"/>
-              <a:t>Signal</a:t>
-            </a:r>
-            <a:r>
-              <a:rPr lang="it-IT" dirty="0"/>
-              <a:t> of </a:t>
-            </a:r>
-            <a:r>
-              <a:rPr lang="it-IT" dirty="0" err="1"/>
-              <a:t>phase</a:t>
-            </a:r>
-            <a:r>
-              <a:rPr lang="it-IT" dirty="0"/>
-              <a:t> </a:t>
-            </a:r>
-            <a:r>
-              <a:rPr lang="it-IT" dirty="0" err="1"/>
-              <a:t>transition</a:t>
-            </a:r>
-            <a:endParaRPr lang="it-IT" dirty="0"/>
-          </a:p>
-          <a:p>
-            <a:pPr lvl="1"/>
-            <a:r>
-              <a:rPr lang="it-IT" dirty="0"/>
-              <a:t>Unit testing</a:t>
-            </a:r>
-          </a:p>
-          <a:p>
-            <a:pPr lvl="2"/>
-            <a:r>
-              <a:rPr lang="it-IT" dirty="0"/>
-              <a:t>Divide the code </a:t>
-            </a:r>
-            <a:r>
-              <a:rPr lang="it-IT" dirty="0" err="1"/>
-              <a:t>into</a:t>
-            </a:r>
-            <a:r>
-              <a:rPr lang="it-IT" dirty="0"/>
-              <a:t> </a:t>
-            </a:r>
-            <a:r>
-              <a:rPr lang="it-IT" dirty="0" err="1"/>
-              <a:t>different</a:t>
-            </a:r>
-            <a:r>
-              <a:rPr lang="it-IT" dirty="0"/>
-              <a:t> </a:t>
-            </a:r>
-            <a:r>
-              <a:rPr lang="it-IT" dirty="0" err="1"/>
-              <a:t>independent</a:t>
-            </a:r>
-            <a:r>
-              <a:rPr lang="it-IT" dirty="0"/>
-              <a:t> </a:t>
-            </a:r>
-            <a:r>
-              <a:rPr lang="it-IT" dirty="0" err="1"/>
-              <a:t>modules</a:t>
-            </a:r>
-            <a:r>
-              <a:rPr lang="it-IT" dirty="0"/>
-              <a:t> and check </a:t>
-            </a:r>
-            <a:r>
-              <a:rPr lang="it-IT" dirty="0" err="1"/>
-              <a:t>whether</a:t>
-            </a:r>
-            <a:r>
-              <a:rPr lang="it-IT" dirty="0"/>
-              <a:t> the </a:t>
-            </a:r>
-            <a:r>
-              <a:rPr lang="it-IT" dirty="0" err="1"/>
-              <a:t>modules</a:t>
-            </a:r>
-            <a:r>
-              <a:rPr lang="it-IT" dirty="0"/>
-              <a:t> </a:t>
-            </a:r>
-            <a:r>
-              <a:rPr lang="it-IT" dirty="0" err="1"/>
-              <a:t>perform</a:t>
-            </a:r>
-            <a:r>
-              <a:rPr lang="it-IT" dirty="0"/>
-              <a:t> </a:t>
-            </a:r>
-            <a:r>
-              <a:rPr lang="it-IT" dirty="0" err="1"/>
-              <a:t>their</a:t>
-            </a:r>
-            <a:r>
-              <a:rPr lang="it-IT" dirty="0"/>
-              <a:t> tasks </a:t>
-            </a:r>
-            <a:r>
-              <a:rPr lang="it-IT" dirty="0" err="1"/>
-              <a:t>correctly</a:t>
-            </a:r>
-            <a:endParaRPr lang="it-IT" dirty="0"/>
-          </a:p>
-          <a:p>
-            <a:pPr lvl="2"/>
-            <a:r>
-              <a:rPr lang="it-IT" dirty="0"/>
-              <a:t>Study </a:t>
-            </a:r>
-            <a:r>
-              <a:rPr lang="it-IT" dirty="0" err="1"/>
-              <a:t>smaller</a:t>
-            </a:r>
-            <a:r>
-              <a:rPr lang="it-IT" dirty="0"/>
-              <a:t> system sizes</a:t>
-            </a:r>
-          </a:p>
-          <a:p>
-            <a:pPr marL="0" indent="0">
-              <a:buNone/>
-            </a:pPr>
-            <a:r>
-              <a:rPr lang="it-IT" dirty="0"/>
-              <a:t>Performance test</a:t>
-            </a:r>
-          </a:p>
-          <a:p>
-            <a:pPr lvl="1"/>
-            <a:r>
-              <a:rPr lang="it-IT" dirty="0"/>
-              <a:t>Compare </a:t>
-            </a:r>
-            <a:r>
-              <a:rPr lang="it-IT" dirty="0" err="1"/>
-              <a:t>computation</a:t>
-            </a:r>
-            <a:r>
-              <a:rPr lang="it-IT" dirty="0"/>
-              <a:t> time vs </a:t>
-            </a:r>
-            <a:r>
-              <a:rPr lang="it-IT" dirty="0" err="1"/>
-              <a:t>dimension</a:t>
-            </a:r>
-            <a:r>
-              <a:rPr lang="it-IT" dirty="0"/>
-              <a:t> of the lattice for </a:t>
-            </a:r>
-            <a:r>
-              <a:rPr lang="it-IT" dirty="0" err="1"/>
-              <a:t>both</a:t>
-            </a:r>
-            <a:r>
-              <a:rPr lang="it-IT" dirty="0"/>
-              <a:t> strategies</a:t>
-            </a:r>
-          </a:p>
-          <a:p>
-            <a:pPr lvl="2"/>
-            <a:endParaRPr lang="it-IT" dirty="0"/>
-          </a:p>
-        </p:txBody>
-      </p:sp>
+      <mc:AlternateContent xmlns:mc="http://schemas.openxmlformats.org/markup-compatibility/2006">
+        <mc:Choice xmlns:a14="http://schemas.microsoft.com/office/drawing/2010/main" Requires="a14">
+          <p:sp>
+            <p:nvSpPr>
+              <p:cNvPr id="3" name="Content Placeholder 2">
+                <a:extLst>
+                  <a:ext uri="{FF2B5EF4-FFF2-40B4-BE49-F238E27FC236}">
+                    <a16:creationId xmlns:a16="http://schemas.microsoft.com/office/drawing/2014/main" id="{E7C80F34-22CE-475D-8B4D-11D39F69F364}"/>
+                  </a:ext>
+                </a:extLst>
+              </p:cNvPr>
+              <p:cNvSpPr>
+                <a:spLocks noGrp="1"/>
+              </p:cNvSpPr>
+              <p:nvPr>
+                <p:ph idx="1"/>
+              </p:nvPr>
+            </p:nvSpPr>
+            <p:spPr/>
+            <p:txBody>
+              <a:bodyPr>
+                <a:normAutofit/>
+              </a:bodyPr>
+              <a:lstStyle/>
+              <a:p>
+                <a:pPr marL="0" indent="0">
+                  <a:buNone/>
+                </a:pPr>
+                <a:r>
+                  <a:rPr lang="it-IT" dirty="0"/>
+                  <a:t>Test</a:t>
+                </a:r>
+              </a:p>
+              <a:p>
+                <a:pPr lvl="1"/>
+                <a:r>
+                  <a:rPr lang="it-IT" dirty="0" err="1"/>
+                  <a:t>Physics</a:t>
+                </a:r>
+                <a:r>
+                  <a:rPr lang="it-IT" dirty="0"/>
+                  <a:t> </a:t>
+                </a:r>
+                <a:r>
+                  <a:rPr lang="it-IT" dirty="0" err="1"/>
+                  <a:t>based</a:t>
+                </a:r>
+                <a:r>
+                  <a:rPr lang="it-IT" dirty="0"/>
+                  <a:t> benchmarking</a:t>
+                </a:r>
+              </a:p>
+              <a:p>
+                <a:pPr lvl="2"/>
+                <a:r>
+                  <a:rPr lang="it-IT" dirty="0"/>
+                  <a:t>Extreme </a:t>
+                </a:r>
+                <a:r>
+                  <a:rPr lang="it-IT" dirty="0" err="1"/>
+                  <a:t>values</a:t>
+                </a:r>
+                <a:r>
+                  <a:rPr lang="it-IT" dirty="0"/>
+                  <a:t> for T = 0 (</a:t>
+                </a:r>
+                <a14:m>
+                  <m:oMath xmlns:m="http://schemas.openxmlformats.org/officeDocument/2006/math">
+                    <m:r>
+                      <a:rPr lang="it-IT" i="1" dirty="0" smtClean="0">
+                        <a:latin typeface="Cambria Math" panose="02040503050406030204" pitchFamily="18" charset="0"/>
+                        <a:ea typeface="Cambria Math" panose="02040503050406030204" pitchFamily="18" charset="0"/>
+                      </a:rPr>
+                      <m:t>∞</m:t>
+                    </m:r>
+                  </m:oMath>
+                </a14:m>
+                <a:r>
+                  <a:rPr lang="it-IT" dirty="0"/>
+                  <a:t>) </a:t>
+                </a:r>
+              </a:p>
+              <a:p>
+                <a:pPr lvl="3"/>
+                <a:r>
+                  <a:rPr lang="it-IT" dirty="0" err="1"/>
+                  <a:t>we</a:t>
+                </a:r>
+                <a:r>
+                  <a:rPr lang="it-IT" dirty="0"/>
+                  <a:t> know </a:t>
+                </a:r>
+                <a:r>
+                  <a:rPr lang="it-IT" dirty="0" err="1"/>
+                  <a:t>what</a:t>
+                </a:r>
+                <a:r>
+                  <a:rPr lang="it-IT" dirty="0"/>
+                  <a:t> the </a:t>
+                </a:r>
+                <a:r>
+                  <a:rPr lang="it-IT" dirty="0" err="1"/>
+                  <a:t>configurations</a:t>
+                </a:r>
+                <a:r>
+                  <a:rPr lang="it-IT" dirty="0"/>
+                  <a:t> look like </a:t>
+                </a:r>
+              </a:p>
+              <a:p>
+                <a:pPr lvl="3"/>
+                <a:r>
+                  <a:rPr lang="it-IT" dirty="0" err="1"/>
+                  <a:t>We</a:t>
+                </a:r>
+                <a:r>
+                  <a:rPr lang="it-IT" dirty="0"/>
+                  <a:t> know the </a:t>
+                </a:r>
+                <a:r>
+                  <a:rPr lang="it-IT" dirty="0" err="1"/>
+                  <a:t>values</a:t>
+                </a:r>
+                <a:r>
+                  <a:rPr lang="it-IT" dirty="0"/>
+                  <a:t> of the </a:t>
+                </a:r>
+                <a:r>
+                  <a:rPr lang="it-IT" dirty="0" err="1"/>
+                  <a:t>thermodynamic</a:t>
+                </a:r>
+                <a:r>
+                  <a:rPr lang="it-IT" dirty="0"/>
+                  <a:t> </a:t>
+                </a:r>
+                <a:r>
+                  <a:rPr lang="it-IT" dirty="0" err="1"/>
+                  <a:t>averages</a:t>
+                </a:r>
+                <a:r>
+                  <a:rPr lang="it-IT" dirty="0"/>
+                  <a:t> |M|=1 (0)</a:t>
+                </a:r>
+              </a:p>
+              <a:p>
+                <a:pPr lvl="2"/>
+                <a:r>
+                  <a:rPr lang="it-IT" dirty="0" err="1"/>
+                  <a:t>Signal</a:t>
+                </a:r>
+                <a:r>
+                  <a:rPr lang="it-IT" dirty="0"/>
+                  <a:t> of </a:t>
+                </a:r>
+                <a:r>
+                  <a:rPr lang="it-IT" dirty="0" err="1"/>
+                  <a:t>phase</a:t>
+                </a:r>
+                <a:r>
+                  <a:rPr lang="it-IT" dirty="0"/>
+                  <a:t> </a:t>
+                </a:r>
+                <a:r>
+                  <a:rPr lang="it-IT" dirty="0" err="1"/>
+                  <a:t>transition</a:t>
+                </a:r>
+                <a:endParaRPr lang="it-IT" dirty="0"/>
+              </a:p>
+              <a:p>
+                <a:pPr lvl="1"/>
+                <a:r>
+                  <a:rPr lang="it-IT" dirty="0"/>
+                  <a:t>Unit testing</a:t>
+                </a:r>
+              </a:p>
+              <a:p>
+                <a:pPr lvl="2"/>
+                <a:r>
+                  <a:rPr lang="it-IT" dirty="0"/>
+                  <a:t>Divide the code </a:t>
+                </a:r>
+                <a:r>
+                  <a:rPr lang="it-IT" dirty="0" err="1"/>
+                  <a:t>into</a:t>
+                </a:r>
+                <a:r>
+                  <a:rPr lang="it-IT" dirty="0"/>
+                  <a:t> </a:t>
+                </a:r>
+                <a:r>
+                  <a:rPr lang="it-IT" dirty="0" err="1"/>
+                  <a:t>different</a:t>
+                </a:r>
+                <a:r>
+                  <a:rPr lang="it-IT" dirty="0"/>
+                  <a:t> </a:t>
+                </a:r>
+                <a:r>
+                  <a:rPr lang="it-IT" dirty="0" err="1"/>
+                  <a:t>independent</a:t>
+                </a:r>
+                <a:r>
+                  <a:rPr lang="it-IT" dirty="0"/>
+                  <a:t> </a:t>
+                </a:r>
+                <a:r>
+                  <a:rPr lang="it-IT" dirty="0" err="1"/>
+                  <a:t>modules</a:t>
+                </a:r>
+                <a:r>
+                  <a:rPr lang="it-IT" dirty="0"/>
+                  <a:t> and check </a:t>
+                </a:r>
+                <a:r>
+                  <a:rPr lang="it-IT" dirty="0" err="1"/>
+                  <a:t>whether</a:t>
+                </a:r>
+                <a:r>
+                  <a:rPr lang="it-IT" dirty="0"/>
+                  <a:t> the </a:t>
+                </a:r>
+                <a:r>
+                  <a:rPr lang="it-IT" dirty="0" err="1"/>
+                  <a:t>modules</a:t>
+                </a:r>
+                <a:r>
+                  <a:rPr lang="it-IT" dirty="0"/>
+                  <a:t> </a:t>
+                </a:r>
+                <a:r>
+                  <a:rPr lang="it-IT" dirty="0" err="1"/>
+                  <a:t>perform</a:t>
+                </a:r>
+                <a:r>
+                  <a:rPr lang="it-IT" dirty="0"/>
+                  <a:t> </a:t>
+                </a:r>
+                <a:r>
+                  <a:rPr lang="it-IT" dirty="0" err="1"/>
+                  <a:t>their</a:t>
+                </a:r>
+                <a:r>
+                  <a:rPr lang="it-IT" dirty="0"/>
+                  <a:t> tasks </a:t>
+                </a:r>
+                <a:r>
+                  <a:rPr lang="it-IT" dirty="0" err="1"/>
+                  <a:t>correctly</a:t>
+                </a:r>
+                <a:endParaRPr lang="it-IT" dirty="0"/>
+              </a:p>
+              <a:p>
+                <a:pPr lvl="2"/>
+                <a:r>
+                  <a:rPr lang="it-IT" dirty="0"/>
+                  <a:t>Study </a:t>
+                </a:r>
+                <a:r>
+                  <a:rPr lang="it-IT" dirty="0" err="1"/>
+                  <a:t>smaller</a:t>
+                </a:r>
+                <a:r>
+                  <a:rPr lang="it-IT" dirty="0"/>
+                  <a:t> system sizes</a:t>
+                </a:r>
+              </a:p>
+              <a:p>
+                <a:pPr marL="0" indent="0">
+                  <a:buNone/>
+                </a:pPr>
+                <a:r>
+                  <a:rPr lang="it-IT" dirty="0"/>
+                  <a:t>Performance test</a:t>
+                </a:r>
+              </a:p>
+              <a:p>
+                <a:pPr lvl="1"/>
+                <a:r>
+                  <a:rPr lang="it-IT" dirty="0"/>
+                  <a:t>Compare </a:t>
+                </a:r>
+                <a:r>
+                  <a:rPr lang="it-IT" dirty="0" err="1"/>
+                  <a:t>computation</a:t>
+                </a:r>
+                <a:r>
+                  <a:rPr lang="it-IT" dirty="0"/>
+                  <a:t> time vs </a:t>
+                </a:r>
+                <a:r>
+                  <a:rPr lang="it-IT" dirty="0" err="1"/>
+                  <a:t>dimension</a:t>
+                </a:r>
+                <a:r>
+                  <a:rPr lang="it-IT" dirty="0"/>
+                  <a:t> of the lattice for </a:t>
+                </a:r>
+                <a:r>
+                  <a:rPr lang="it-IT" dirty="0" err="1"/>
+                  <a:t>both</a:t>
+                </a:r>
+                <a:r>
+                  <a:rPr lang="it-IT" dirty="0"/>
+                  <a:t> strategies</a:t>
+                </a:r>
+              </a:p>
+              <a:p>
+                <a:pPr lvl="2"/>
+                <a:endParaRPr lang="it-IT" dirty="0"/>
+              </a:p>
+            </p:txBody>
+          </p:sp>
+        </mc:Choice>
+        <mc:Fallback>
+          <p:sp>
+            <p:nvSpPr>
+              <p:cNvPr id="3" name="Content Placeholder 2">
+                <a:extLst>
+                  <a:ext uri="{FF2B5EF4-FFF2-40B4-BE49-F238E27FC236}">
+                    <a16:creationId xmlns:a16="http://schemas.microsoft.com/office/drawing/2014/main" id="{E7C80F34-22CE-475D-8B4D-11D39F69F364}"/>
+                  </a:ext>
+                </a:extLst>
+              </p:cNvPr>
+              <p:cNvSpPr>
+                <a:spLocks noGrp="1" noRot="1" noChangeAspect="1" noMove="1" noResize="1" noEditPoints="1" noAdjustHandles="1" noChangeArrowheads="1" noChangeShapeType="1" noTextEdit="1"/>
+              </p:cNvSpPr>
+              <p:nvPr>
+                <p:ph idx="1"/>
+              </p:nvPr>
+            </p:nvSpPr>
+            <p:spPr>
+              <a:blipFill>
+                <a:blip r:embed="rId2"/>
+                <a:stretch>
+                  <a:fillRect l="-1139" t="-2030"/>
+                </a:stretch>
+              </a:blipFill>
+            </p:spPr>
+            <p:txBody>
+              <a:bodyPr/>
+              <a:lstStyle/>
+              <a:p>
+                <a:r>
+                  <a:rPr lang="en-IT">
+                    <a:noFill/>
+                  </a:rPr>
+                  <a:t> </a:t>
+                </a:r>
+              </a:p>
+            </p:txBody>
+          </p:sp>
+        </mc:Fallback>
+      </mc:AlternateContent>
     </p:spTree>
     <p:extLst>
       <p:ext uri="{BB962C8B-B14F-4D97-AF65-F5344CB8AC3E}">
@@ -5540,6 +5626,109 @@
 </file>
 
 <file path=customXml/item1.xml><?xml version="1.0" encoding="utf-8"?>
+<p:properties xmlns:p="http://schemas.microsoft.com/office/2006/metadata/properties" xmlns:xsi="http://www.w3.org/2001/XMLSchema-instance" xmlns:pc="http://schemas.microsoft.com/office/infopath/2007/PartnerControls">
+  <documentManagement>
+    <SharedWithUsers xmlns="29ecdfe2-6d9a-477f-8189-4993f6be7442">
+      <UserInfo>
+        <DisplayName>jens.habermann@bbmri-eric.eu</DisplayName>
+        <AccountId>272</AccountId>
+        <AccountType/>
+      </UserInfo>
+      <UserInfo>
+        <DisplayName>penelope.kungl@medunigraz.at</DisplayName>
+        <AccountId>222</AccountId>
+        <AccountType/>
+      </UserInfo>
+      <UserInfo>
+        <DisplayName>kurt.zatloukal@medunigraz.at</DisplayName>
+        <AccountId>110</AccountId>
+        <AccountType/>
+      </UserInfo>
+      <UserInfo>
+        <DisplayName>Michaela Th. Mayrhofer</DisplayName>
+        <AccountId>57</AccountId>
+        <AccountType/>
+      </UserInfo>
+      <UserInfo>
+        <DisplayName>Melinda Kuthy</DisplayName>
+        <AccountId>50</AccountId>
+        <AccountType/>
+      </UserInfo>
+      <UserInfo>
+        <DisplayName>Alexandros Michaelides</DisplayName>
+        <AccountId>51</AccountId>
+        <AccountType/>
+      </UserInfo>
+      <UserInfo>
+        <DisplayName>Stella Antoniou</DisplayName>
+        <AccountId>20</AccountId>
+        <AccountType/>
+      </UserInfo>
+      <UserInfo>
+        <DisplayName>Constantinos Deltas</DisplayName>
+        <AccountId>22</AccountId>
+        <AccountType/>
+      </UserInfo>
+      <UserInfo>
+        <DisplayName>Christos Schizas</DisplayName>
+        <AccountId>26</AccountId>
+        <AccountType/>
+      </UserInfo>
+      <UserInfo>
+        <DisplayName>Georgios Andriotis</DisplayName>
+        <AccountId>54</AccountId>
+        <AccountType/>
+      </UserInfo>
+      <UserInfo>
+        <DisplayName>Joanna Vella</DisplayName>
+        <AccountId>17</AccountId>
+        <AccountType/>
+      </UserInfo>
+      <UserInfo>
+        <DisplayName>Neophytos Stylianou</DisplayName>
+        <AccountId>321</AccountId>
+        <AccountType/>
+      </UserInfo>
+      <UserInfo>
+        <DisplayName>barbora.halmova@bbmri-eric.eu</DisplayName>
+        <AccountId>389</AccountId>
+        <AccountType/>
+      </UserInfo>
+      <UserInfo>
+        <DisplayName>Daniela Krasser</DisplayName>
+        <AccountId>16</AccountId>
+        <AccountType/>
+      </UserInfo>
+      <UserInfo>
+        <DisplayName>Joanna Pucher</DisplayName>
+        <AccountId>675</AccountId>
+        <AccountType/>
+      </UserInfo>
+      <UserInfo>
+        <DisplayName>Athos Antoniades</DisplayName>
+        <AccountId>27</AccountId>
+        <AccountType/>
+      </UserInfo>
+      <UserInfo>
+        <DisplayName>Konstantinos Alexandropoulos</DisplayName>
+        <AccountId>591</AccountId>
+        <AccountType/>
+      </UserInfo>
+    </SharedWithUsers>
+  </documentManagement>
+</p:properties>
+</file>
+
+<file path=customXml/item2.xml><?xml version="1.0" encoding="utf-8"?>
+<?mso-contentType ?>
+<FormTemplates xmlns="http://schemas.microsoft.com/sharepoint/v3/contenttype/forms">
+  <Display>DocumentLibraryForm</Display>
+  <Edit>DocumentLibraryForm</Edit>
+  <New>DocumentLibraryForm</New>
+</FormTemplates>
+</file>
+
+<file path=customXml/item3.xml><?xml version="1.0" encoding="utf-8"?>
 <ct:contentTypeSchema xmlns:ct="http://schemas.microsoft.com/office/2006/metadata/contentType" xmlns:ma="http://schemas.microsoft.com/office/2006/metadata/properties/metaAttributes" ct:_="" ma:_="" ma:contentTypeName="Document" ma:contentTypeID="0x01010091BCDD4D6CD5C34F90BD661EF9D054FB" ma:contentTypeVersion="12" ma:contentTypeDescription="Create a new document." ma:contentTypeScope="" ma:versionID="ab26c069b20ba5b25d45ddcb9a78cdf7">
   <xsd:schema xmlns:xsd="http://www.w3.org/2001/XMLSchema" xmlns:xs="http://www.w3.org/2001/XMLSchema" xmlns:p="http://schemas.microsoft.com/office/2006/metadata/properties" xmlns:ns2="29ecdfe2-6d9a-477f-8189-4993f6be7442" xmlns:ns3="8f98cbb5-b236-46eb-a654-ec551ee227a1" targetNamespace="http://schemas.microsoft.com/office/2006/metadata/properties" ma:root="true" ma:fieldsID="7cf97270c075613529bf83fb737e41fa" ns2:_="" ns3:_="">
     <xsd:import namespace="29ecdfe2-6d9a-477f-8189-4993f6be7442"/>
@@ -5756,110 +5945,32 @@
 </ct:contentTypeSchema>
 </file>
 
-<file path=customXml/item2.xml><?xml version="1.0" encoding="utf-8"?>
-<?mso-contentType ?>
-<FormTemplates xmlns="http://schemas.microsoft.com/sharepoint/v3/contenttype/forms">
-  <Display>DocumentLibraryForm</Display>
-  <Edit>DocumentLibraryForm</Edit>
-  <New>DocumentLibraryForm</New>
-</FormTemplates>
+<file path=customXml/itemProps1.xml><?xml version="1.0" encoding="utf-8"?>
+<ds:datastoreItem xmlns:ds="http://schemas.openxmlformats.org/officeDocument/2006/customXml" ds:itemID="{C14ABF78-BAE7-4756-8564-28B3DA1B4744}">
+  <ds:schemaRefs>
+    <ds:schemaRef ds:uri="http://www.w3.org/XML/1998/namespace"/>
+    <ds:schemaRef ds:uri="8f98cbb5-b236-46eb-a654-ec551ee227a1"/>
+    <ds:schemaRef ds:uri="29ecdfe2-6d9a-477f-8189-4993f6be7442"/>
+    <ds:schemaRef ds:uri="http://schemas.openxmlformats.org/package/2006/metadata/core-properties"/>
+    <ds:schemaRef ds:uri="http://schemas.microsoft.com/office/2006/metadata/properties"/>
+    <ds:schemaRef ds:uri="http://purl.org/dc/dcmitype/"/>
+    <ds:schemaRef ds:uri="http://purl.org/dc/terms/"/>
+    <ds:schemaRef ds:uri="http://purl.org/dc/elements/1.1/"/>
+    <ds:schemaRef ds:uri="http://schemas.microsoft.com/office/infopath/2007/PartnerControls"/>
+    <ds:schemaRef ds:uri="http://schemas.microsoft.com/office/2006/documentManagement/types"/>
+  </ds:schemaRefs>
+</ds:datastoreItem>
 </file>
 
-<file path=customXml/item3.xml><?xml version="1.0" encoding="utf-8"?>
-<p:properties xmlns:p="http://schemas.microsoft.com/office/2006/metadata/properties" xmlns:xsi="http://www.w3.org/2001/XMLSchema-instance" xmlns:pc="http://schemas.microsoft.com/office/infopath/2007/PartnerControls">
-  <documentManagement>
-    <SharedWithUsers xmlns="29ecdfe2-6d9a-477f-8189-4993f6be7442">
-      <UserInfo>
-        <DisplayName>jens.habermann@bbmri-eric.eu</DisplayName>
-        <AccountId>272</AccountId>
-        <AccountType/>
-      </UserInfo>
-      <UserInfo>
-        <DisplayName>penelope.kungl@medunigraz.at</DisplayName>
-        <AccountId>222</AccountId>
-        <AccountType/>
-      </UserInfo>
-      <UserInfo>
-        <DisplayName>kurt.zatloukal@medunigraz.at</DisplayName>
-        <AccountId>110</AccountId>
-        <AccountType/>
-      </UserInfo>
-      <UserInfo>
-        <DisplayName>Michaela Th. Mayrhofer</DisplayName>
-        <AccountId>57</AccountId>
-        <AccountType/>
-      </UserInfo>
-      <UserInfo>
-        <DisplayName>Melinda Kuthy</DisplayName>
-        <AccountId>50</AccountId>
-        <AccountType/>
-      </UserInfo>
-      <UserInfo>
-        <DisplayName>Alexandros Michaelides</DisplayName>
-        <AccountId>51</AccountId>
-        <AccountType/>
-      </UserInfo>
-      <UserInfo>
-        <DisplayName>Stella Antoniou</DisplayName>
-        <AccountId>20</AccountId>
-        <AccountType/>
-      </UserInfo>
-      <UserInfo>
-        <DisplayName>Constantinos Deltas</DisplayName>
-        <AccountId>22</AccountId>
-        <AccountType/>
-      </UserInfo>
-      <UserInfo>
-        <DisplayName>Christos Schizas</DisplayName>
-        <AccountId>26</AccountId>
-        <AccountType/>
-      </UserInfo>
-      <UserInfo>
-        <DisplayName>Georgios Andriotis</DisplayName>
-        <AccountId>54</AccountId>
-        <AccountType/>
-      </UserInfo>
-      <UserInfo>
-        <DisplayName>Joanna Vella</DisplayName>
-        <AccountId>17</AccountId>
-        <AccountType/>
-      </UserInfo>
-      <UserInfo>
-        <DisplayName>Neophytos Stylianou</DisplayName>
-        <AccountId>321</AccountId>
-        <AccountType/>
-      </UserInfo>
-      <UserInfo>
-        <DisplayName>barbora.halmova@bbmri-eric.eu</DisplayName>
-        <AccountId>389</AccountId>
-        <AccountType/>
-      </UserInfo>
-      <UserInfo>
-        <DisplayName>Daniela Krasser</DisplayName>
-        <AccountId>16</AccountId>
-        <AccountType/>
-      </UserInfo>
-      <UserInfo>
-        <DisplayName>Joanna Pucher</DisplayName>
-        <AccountId>675</AccountId>
-        <AccountType/>
-      </UserInfo>
-      <UserInfo>
-        <DisplayName>Athos Antoniades</DisplayName>
-        <AccountId>27</AccountId>
-        <AccountType/>
-      </UserInfo>
-      <UserInfo>
-        <DisplayName>Konstantinos Alexandropoulos</DisplayName>
-        <AccountId>591</AccountId>
-        <AccountType/>
-      </UserInfo>
-    </SharedWithUsers>
-  </documentManagement>
-</p:properties>
+<file path=customXml/itemProps2.xml><?xml version="1.0" encoding="utf-8"?>
+<ds:datastoreItem xmlns:ds="http://schemas.openxmlformats.org/officeDocument/2006/customXml" ds:itemID="{52126225-BB71-4F6D-984D-16EC44575450}">
+  <ds:schemaRefs>
+    <ds:schemaRef ds:uri="http://schemas.microsoft.com/sharepoint/v3/contenttype/forms"/>
+  </ds:schemaRefs>
+</ds:datastoreItem>
 </file>
 
-<file path=customXml/itemProps1.xml><?xml version="1.0" encoding="utf-8"?>
+<file path=customXml/itemProps3.xml><?xml version="1.0" encoding="utf-8"?>
 <ds:datastoreItem xmlns:ds="http://schemas.openxmlformats.org/officeDocument/2006/customXml" ds:itemID="{7F98840F-66EB-46D9-977B-A14B98F6FB43}">
   <ds:schemaRefs>
     <ds:schemaRef ds:uri="29ecdfe2-6d9a-477f-8189-4993f6be7442"/>
@@ -5876,29 +5987,4 @@
     <ds:schemaRef ds:uri="http://www.w3.org/2001/XMLSchema"/>
   </ds:schemaRefs>
 </ds:datastoreItem>
-</file>
-
-<file path=customXml/itemProps2.xml><?xml version="1.0" encoding="utf-8"?>
-<ds:datastoreItem xmlns:ds="http://schemas.openxmlformats.org/officeDocument/2006/customXml" ds:itemID="{52126225-BB71-4F6D-984D-16EC44575450}">
-  <ds:schemaRefs>
-    <ds:schemaRef ds:uri="http://schemas.microsoft.com/sharepoint/v3/contenttype/forms"/>
-  </ds:schemaRefs>
-</ds:datastoreItem>
-</file>
-
-<file path=customXml/itemProps3.xml><?xml version="1.0" encoding="utf-8"?>
-<ds:datastoreItem xmlns:ds="http://schemas.openxmlformats.org/officeDocument/2006/customXml" ds:itemID="{C14ABF78-BAE7-4756-8564-28B3DA1B4744}">
-  <ds:schemaRefs>
-    <ds:schemaRef ds:uri="http://www.w3.org/XML/1998/namespace"/>
-    <ds:schemaRef ds:uri="8f98cbb5-b236-46eb-a654-ec551ee227a1"/>
-    <ds:schemaRef ds:uri="29ecdfe2-6d9a-477f-8189-4993f6be7442"/>
-    <ds:schemaRef ds:uri="http://schemas.openxmlformats.org/package/2006/metadata/core-properties"/>
-    <ds:schemaRef ds:uri="http://schemas.microsoft.com/office/2006/metadata/properties"/>
-    <ds:schemaRef ds:uri="http://purl.org/dc/dcmitype/"/>
-    <ds:schemaRef ds:uri="http://purl.org/dc/terms/"/>
-    <ds:schemaRef ds:uri="http://purl.org/dc/elements/1.1/"/>
-    <ds:schemaRef ds:uri="http://schemas.microsoft.com/office/infopath/2007/PartnerControls"/>
-    <ds:schemaRef ds:uri="http://schemas.microsoft.com/office/2006/documentManagement/types"/>
-  </ds:schemaRefs>
-</ds:datastoreItem>
 </file>